--- a/ppt 16-9/0773.主你最知道.pptx
+++ b/ppt 16-9/0773.主你最知道.pptx
@@ -5,7 +5,7 @@
     <p:sldMasterId id="2147483648" r:id="rId1"/>
   </p:sldMasterIdLst>
   <p:sldIdLst>
-    <p:sldId id="2028" r:id="rId2"/>
+    <p:sldId id="2029" r:id="rId2"/>
   </p:sldIdLst>
   <p:sldSz cx="12192000" cy="6858000"/>
   <p:notesSz cx="6858000" cy="9144000"/>
@@ -129,7 +129,7 @@
           <p:cNvPr id="2" name="标题 1">
             <a:extLst>
               <a:ext uri="{FF2B5EF4-FFF2-40B4-BE49-F238E27FC236}">
-                <a16:creationId xmlns:a16="http://schemas.microsoft.com/office/drawing/2014/main" id="{0416EF05-F7C2-0F4E-E707-E88793AF8CD9}"/>
+                <a16:creationId xmlns:a16="http://schemas.microsoft.com/office/drawing/2014/main" id="{9418479B-8A28-9F2F-28E0-D50DA0F85E36}"/>
               </a:ext>
             </a:extLst>
           </p:cNvPr>
@@ -166,7 +166,7 @@
           <p:cNvPr id="3" name="副标题 2">
             <a:extLst>
               <a:ext uri="{FF2B5EF4-FFF2-40B4-BE49-F238E27FC236}">
-                <a16:creationId xmlns:a16="http://schemas.microsoft.com/office/drawing/2014/main" id="{9ED6C59B-3B41-3B74-BBE7-6E6BB85E7C91}"/>
+                <a16:creationId xmlns:a16="http://schemas.microsoft.com/office/drawing/2014/main" id="{1AE33F5C-6809-3254-1E4B-B75DC9E23F05}"/>
               </a:ext>
             </a:extLst>
           </p:cNvPr>
@@ -236,7 +236,7 @@
           <p:cNvPr id="4" name="日期占位符 3">
             <a:extLst>
               <a:ext uri="{FF2B5EF4-FFF2-40B4-BE49-F238E27FC236}">
-                <a16:creationId xmlns:a16="http://schemas.microsoft.com/office/drawing/2014/main" id="{E8DB8305-4CB0-2C9E-C523-FFEBE6A7839C}"/>
+                <a16:creationId xmlns:a16="http://schemas.microsoft.com/office/drawing/2014/main" id="{925DD42A-D687-F8E6-A3C7-5582E159CC35}"/>
               </a:ext>
             </a:extLst>
           </p:cNvPr>
@@ -252,7 +252,7 @@
           <a:bodyPr/>
           <a:lstStyle/>
           <a:p>
-            <a:fld id="{65201528-2304-4191-AF0B-695AD4080AFB}" type="datetimeFigureOut">
+            <a:fld id="{DB3ADA56-4BFC-4764-AF79-9C2F8FA2BA92}" type="datetimeFigureOut">
               <a:rPr lang="zh-CN" altLang="en-US" smtClean="0"/>
               <a:t>2024/3/10</a:t>
             </a:fld>
@@ -265,7 +265,7 @@
           <p:cNvPr id="5" name="页脚占位符 4">
             <a:extLst>
               <a:ext uri="{FF2B5EF4-FFF2-40B4-BE49-F238E27FC236}">
-                <a16:creationId xmlns:a16="http://schemas.microsoft.com/office/drawing/2014/main" id="{481A546D-E5A8-985E-B08E-92F37CCF20EF}"/>
+                <a16:creationId xmlns:a16="http://schemas.microsoft.com/office/drawing/2014/main" id="{0F061A5F-A321-8FF6-083D-F3516755D4E8}"/>
               </a:ext>
             </a:extLst>
           </p:cNvPr>
@@ -290,7 +290,7 @@
           <p:cNvPr id="6" name="灯片编号占位符 5">
             <a:extLst>
               <a:ext uri="{FF2B5EF4-FFF2-40B4-BE49-F238E27FC236}">
-                <a16:creationId xmlns:a16="http://schemas.microsoft.com/office/drawing/2014/main" id="{3463A26A-1410-B70A-72B7-133338DAA496}"/>
+                <a16:creationId xmlns:a16="http://schemas.microsoft.com/office/drawing/2014/main" id="{0E5BA0E8-F6B7-1567-5C91-3430C92E5729}"/>
               </a:ext>
             </a:extLst>
           </p:cNvPr>
@@ -306,7 +306,7 @@
           <a:bodyPr/>
           <a:lstStyle/>
           <a:p>
-            <a:fld id="{47B33811-7310-42C7-A880-EE3CF3E535A2}" type="slidenum">
+            <a:fld id="{0E145A28-3047-4040-9F22-1A9AF4EA5A33}" type="slidenum">
               <a:rPr lang="zh-CN" altLang="en-US" smtClean="0"/>
               <a:t>‹#›</a:t>
             </a:fld>
@@ -317,7 +317,7 @@
     </p:spTree>
     <p:extLst>
       <p:ext uri="{BB962C8B-B14F-4D97-AF65-F5344CB8AC3E}">
-        <p14:creationId xmlns:p14="http://schemas.microsoft.com/office/powerpoint/2010/main" val="1626496723"/>
+        <p14:creationId xmlns:p14="http://schemas.microsoft.com/office/powerpoint/2010/main" val="3059319149"/>
       </p:ext>
     </p:extLst>
   </p:cSld>
@@ -349,7 +349,7 @@
           <p:cNvPr id="2" name="标题 1">
             <a:extLst>
               <a:ext uri="{FF2B5EF4-FFF2-40B4-BE49-F238E27FC236}">
-                <a16:creationId xmlns:a16="http://schemas.microsoft.com/office/drawing/2014/main" id="{C59755C2-86D7-E235-B01A-B83F4F0F69E8}"/>
+                <a16:creationId xmlns:a16="http://schemas.microsoft.com/office/drawing/2014/main" id="{361342F0-EF3A-54FA-8104-4F32EB3AD123}"/>
               </a:ext>
             </a:extLst>
           </p:cNvPr>
@@ -377,7 +377,7 @@
           <p:cNvPr id="3" name="竖排文字占位符 2">
             <a:extLst>
               <a:ext uri="{FF2B5EF4-FFF2-40B4-BE49-F238E27FC236}">
-                <a16:creationId xmlns:a16="http://schemas.microsoft.com/office/drawing/2014/main" id="{E31B3DFF-DDEA-8E88-23A5-83B7AB373D2F}"/>
+                <a16:creationId xmlns:a16="http://schemas.microsoft.com/office/drawing/2014/main" id="{CE8CCA79-208C-92C5-3592-B8FD41892A06}"/>
               </a:ext>
             </a:extLst>
           </p:cNvPr>
@@ -434,7 +434,7 @@
           <p:cNvPr id="4" name="日期占位符 3">
             <a:extLst>
               <a:ext uri="{FF2B5EF4-FFF2-40B4-BE49-F238E27FC236}">
-                <a16:creationId xmlns:a16="http://schemas.microsoft.com/office/drawing/2014/main" id="{9B3A39B7-6B8A-B646-3BD0-6D525D76ED2E}"/>
+                <a16:creationId xmlns:a16="http://schemas.microsoft.com/office/drawing/2014/main" id="{7B69F75B-55AE-BB4B-9C8F-2164FD2F9E5B}"/>
               </a:ext>
             </a:extLst>
           </p:cNvPr>
@@ -450,7 +450,7 @@
           <a:bodyPr/>
           <a:lstStyle/>
           <a:p>
-            <a:fld id="{65201528-2304-4191-AF0B-695AD4080AFB}" type="datetimeFigureOut">
+            <a:fld id="{DB3ADA56-4BFC-4764-AF79-9C2F8FA2BA92}" type="datetimeFigureOut">
               <a:rPr lang="zh-CN" altLang="en-US" smtClean="0"/>
               <a:t>2024/3/10</a:t>
             </a:fld>
@@ -463,7 +463,7 @@
           <p:cNvPr id="5" name="页脚占位符 4">
             <a:extLst>
               <a:ext uri="{FF2B5EF4-FFF2-40B4-BE49-F238E27FC236}">
-                <a16:creationId xmlns:a16="http://schemas.microsoft.com/office/drawing/2014/main" id="{65F44E91-0F5A-16EF-C04A-0A9573AAD5A8}"/>
+                <a16:creationId xmlns:a16="http://schemas.microsoft.com/office/drawing/2014/main" id="{21C2AC44-940D-21D9-D4C0-E4635F9775B5}"/>
               </a:ext>
             </a:extLst>
           </p:cNvPr>
@@ -488,7 +488,7 @@
           <p:cNvPr id="6" name="灯片编号占位符 5">
             <a:extLst>
               <a:ext uri="{FF2B5EF4-FFF2-40B4-BE49-F238E27FC236}">
-                <a16:creationId xmlns:a16="http://schemas.microsoft.com/office/drawing/2014/main" id="{1CAD0AF8-39A7-8957-90D2-F450336B5481}"/>
+                <a16:creationId xmlns:a16="http://schemas.microsoft.com/office/drawing/2014/main" id="{BEBFB42A-CCD9-3960-7B27-F5284AF06FF1}"/>
               </a:ext>
             </a:extLst>
           </p:cNvPr>
@@ -504,7 +504,7 @@
           <a:bodyPr/>
           <a:lstStyle/>
           <a:p>
-            <a:fld id="{47B33811-7310-42C7-A880-EE3CF3E535A2}" type="slidenum">
+            <a:fld id="{0E145A28-3047-4040-9F22-1A9AF4EA5A33}" type="slidenum">
               <a:rPr lang="zh-CN" altLang="en-US" smtClean="0"/>
               <a:t>‹#›</a:t>
             </a:fld>
@@ -515,7 +515,7 @@
     </p:spTree>
     <p:extLst>
       <p:ext uri="{BB962C8B-B14F-4D97-AF65-F5344CB8AC3E}">
-        <p14:creationId xmlns:p14="http://schemas.microsoft.com/office/powerpoint/2010/main" val="2939642229"/>
+        <p14:creationId xmlns:p14="http://schemas.microsoft.com/office/powerpoint/2010/main" val="2443093176"/>
       </p:ext>
     </p:extLst>
   </p:cSld>
@@ -547,7 +547,7 @@
           <p:cNvPr id="2" name="竖排标题 1">
             <a:extLst>
               <a:ext uri="{FF2B5EF4-FFF2-40B4-BE49-F238E27FC236}">
-                <a16:creationId xmlns:a16="http://schemas.microsoft.com/office/drawing/2014/main" id="{296FD107-996D-9FA4-343A-479CA4FAF866}"/>
+                <a16:creationId xmlns:a16="http://schemas.microsoft.com/office/drawing/2014/main" id="{AA675F20-221E-8783-7815-D8AC726FD94E}"/>
               </a:ext>
             </a:extLst>
           </p:cNvPr>
@@ -580,7 +580,7 @@
           <p:cNvPr id="3" name="竖排文字占位符 2">
             <a:extLst>
               <a:ext uri="{FF2B5EF4-FFF2-40B4-BE49-F238E27FC236}">
-                <a16:creationId xmlns:a16="http://schemas.microsoft.com/office/drawing/2014/main" id="{C4921CD2-E633-DFD4-6105-F373364D1675}"/>
+                <a16:creationId xmlns:a16="http://schemas.microsoft.com/office/drawing/2014/main" id="{C8C8A17E-9405-F4B7-8B9C-9E00B65781C9}"/>
               </a:ext>
             </a:extLst>
           </p:cNvPr>
@@ -642,7 +642,7 @@
           <p:cNvPr id="4" name="日期占位符 3">
             <a:extLst>
               <a:ext uri="{FF2B5EF4-FFF2-40B4-BE49-F238E27FC236}">
-                <a16:creationId xmlns:a16="http://schemas.microsoft.com/office/drawing/2014/main" id="{08315F01-B33A-A704-69B5-CB0E00BA02BF}"/>
+                <a16:creationId xmlns:a16="http://schemas.microsoft.com/office/drawing/2014/main" id="{FBD6FAE1-D126-ECC9-FF84-AEA7517C064E}"/>
               </a:ext>
             </a:extLst>
           </p:cNvPr>
@@ -658,7 +658,7 @@
           <a:bodyPr/>
           <a:lstStyle/>
           <a:p>
-            <a:fld id="{65201528-2304-4191-AF0B-695AD4080AFB}" type="datetimeFigureOut">
+            <a:fld id="{DB3ADA56-4BFC-4764-AF79-9C2F8FA2BA92}" type="datetimeFigureOut">
               <a:rPr lang="zh-CN" altLang="en-US" smtClean="0"/>
               <a:t>2024/3/10</a:t>
             </a:fld>
@@ -671,7 +671,7 @@
           <p:cNvPr id="5" name="页脚占位符 4">
             <a:extLst>
               <a:ext uri="{FF2B5EF4-FFF2-40B4-BE49-F238E27FC236}">
-                <a16:creationId xmlns:a16="http://schemas.microsoft.com/office/drawing/2014/main" id="{EEB72693-6804-2829-89AA-8C9B060C9EED}"/>
+                <a16:creationId xmlns:a16="http://schemas.microsoft.com/office/drawing/2014/main" id="{90185B94-EC17-28A1-16DE-DB8FB5DF7D9D}"/>
               </a:ext>
             </a:extLst>
           </p:cNvPr>
@@ -696,7 +696,7 @@
           <p:cNvPr id="6" name="灯片编号占位符 5">
             <a:extLst>
               <a:ext uri="{FF2B5EF4-FFF2-40B4-BE49-F238E27FC236}">
-                <a16:creationId xmlns:a16="http://schemas.microsoft.com/office/drawing/2014/main" id="{0FFD26B8-40C2-0607-FAE1-13CD7D695C04}"/>
+                <a16:creationId xmlns:a16="http://schemas.microsoft.com/office/drawing/2014/main" id="{755F8C1E-700B-54B2-0EF1-A72BF2FCC0CF}"/>
               </a:ext>
             </a:extLst>
           </p:cNvPr>
@@ -712,7 +712,7 @@
           <a:bodyPr/>
           <a:lstStyle/>
           <a:p>
-            <a:fld id="{47B33811-7310-42C7-A880-EE3CF3E535A2}" type="slidenum">
+            <a:fld id="{0E145A28-3047-4040-9F22-1A9AF4EA5A33}" type="slidenum">
               <a:rPr lang="zh-CN" altLang="en-US" smtClean="0"/>
               <a:t>‹#›</a:t>
             </a:fld>
@@ -723,7 +723,7 @@
     </p:spTree>
     <p:extLst>
       <p:ext uri="{BB962C8B-B14F-4D97-AF65-F5344CB8AC3E}">
-        <p14:creationId xmlns:p14="http://schemas.microsoft.com/office/powerpoint/2010/main" val="2018848513"/>
+        <p14:creationId xmlns:p14="http://schemas.microsoft.com/office/powerpoint/2010/main" val="1302404880"/>
       </p:ext>
     </p:extLst>
   </p:cSld>
@@ -755,7 +755,7 @@
           <p:cNvPr id="2" name="标题 1">
             <a:extLst>
               <a:ext uri="{FF2B5EF4-FFF2-40B4-BE49-F238E27FC236}">
-                <a16:creationId xmlns:a16="http://schemas.microsoft.com/office/drawing/2014/main" id="{8C33F4BA-7308-6891-07BF-9663EFD22BD8}"/>
+                <a16:creationId xmlns:a16="http://schemas.microsoft.com/office/drawing/2014/main" id="{7CFE34DF-BABD-A706-D8D6-B956F3C90072}"/>
               </a:ext>
             </a:extLst>
           </p:cNvPr>
@@ -783,7 +783,7 @@
           <p:cNvPr id="3" name="内容占位符 2">
             <a:extLst>
               <a:ext uri="{FF2B5EF4-FFF2-40B4-BE49-F238E27FC236}">
-                <a16:creationId xmlns:a16="http://schemas.microsoft.com/office/drawing/2014/main" id="{6B11C096-0F09-4761-63B6-1BF522A5E05D}"/>
+                <a16:creationId xmlns:a16="http://schemas.microsoft.com/office/drawing/2014/main" id="{9A8566B4-5B0F-2528-2A77-B298A1D98A0F}"/>
               </a:ext>
             </a:extLst>
           </p:cNvPr>
@@ -840,7 +840,7 @@
           <p:cNvPr id="4" name="日期占位符 3">
             <a:extLst>
               <a:ext uri="{FF2B5EF4-FFF2-40B4-BE49-F238E27FC236}">
-                <a16:creationId xmlns:a16="http://schemas.microsoft.com/office/drawing/2014/main" id="{6279DFAE-0838-6D4B-3D20-B7FB547C2D42}"/>
+                <a16:creationId xmlns:a16="http://schemas.microsoft.com/office/drawing/2014/main" id="{14D63371-E792-1DCA-0455-9C5B707371BA}"/>
               </a:ext>
             </a:extLst>
           </p:cNvPr>
@@ -856,7 +856,7 @@
           <a:bodyPr/>
           <a:lstStyle/>
           <a:p>
-            <a:fld id="{65201528-2304-4191-AF0B-695AD4080AFB}" type="datetimeFigureOut">
+            <a:fld id="{DB3ADA56-4BFC-4764-AF79-9C2F8FA2BA92}" type="datetimeFigureOut">
               <a:rPr lang="zh-CN" altLang="en-US" smtClean="0"/>
               <a:t>2024/3/10</a:t>
             </a:fld>
@@ -869,7 +869,7 @@
           <p:cNvPr id="5" name="页脚占位符 4">
             <a:extLst>
               <a:ext uri="{FF2B5EF4-FFF2-40B4-BE49-F238E27FC236}">
-                <a16:creationId xmlns:a16="http://schemas.microsoft.com/office/drawing/2014/main" id="{8732D2CE-2D92-B51F-3926-84E2A2A94CAB}"/>
+                <a16:creationId xmlns:a16="http://schemas.microsoft.com/office/drawing/2014/main" id="{D9CD878A-1AAA-7FB5-245E-014E289AE121}"/>
               </a:ext>
             </a:extLst>
           </p:cNvPr>
@@ -894,7 +894,7 @@
           <p:cNvPr id="6" name="灯片编号占位符 5">
             <a:extLst>
               <a:ext uri="{FF2B5EF4-FFF2-40B4-BE49-F238E27FC236}">
-                <a16:creationId xmlns:a16="http://schemas.microsoft.com/office/drawing/2014/main" id="{2F603696-BD7C-3063-8F87-3AA1FFF2F48E}"/>
+                <a16:creationId xmlns:a16="http://schemas.microsoft.com/office/drawing/2014/main" id="{4F449A3E-D865-47B2-87A6-9DC3E96E3453}"/>
               </a:ext>
             </a:extLst>
           </p:cNvPr>
@@ -910,7 +910,7 @@
           <a:bodyPr/>
           <a:lstStyle/>
           <a:p>
-            <a:fld id="{47B33811-7310-42C7-A880-EE3CF3E535A2}" type="slidenum">
+            <a:fld id="{0E145A28-3047-4040-9F22-1A9AF4EA5A33}" type="slidenum">
               <a:rPr lang="zh-CN" altLang="en-US" smtClean="0"/>
               <a:t>‹#›</a:t>
             </a:fld>
@@ -921,7 +921,7 @@
     </p:spTree>
     <p:extLst>
       <p:ext uri="{BB962C8B-B14F-4D97-AF65-F5344CB8AC3E}">
-        <p14:creationId xmlns:p14="http://schemas.microsoft.com/office/powerpoint/2010/main" val="857982789"/>
+        <p14:creationId xmlns:p14="http://schemas.microsoft.com/office/powerpoint/2010/main" val="2868534834"/>
       </p:ext>
     </p:extLst>
   </p:cSld>
@@ -953,7 +953,7 @@
           <p:cNvPr id="2" name="标题 1">
             <a:extLst>
               <a:ext uri="{FF2B5EF4-FFF2-40B4-BE49-F238E27FC236}">
-                <a16:creationId xmlns:a16="http://schemas.microsoft.com/office/drawing/2014/main" id="{F9AA96B2-914E-2DAC-324C-A84D17F90BC1}"/>
+                <a16:creationId xmlns:a16="http://schemas.microsoft.com/office/drawing/2014/main" id="{D26C81C9-3125-3BDE-C3B7-AF42E52C3ECA}"/>
               </a:ext>
             </a:extLst>
           </p:cNvPr>
@@ -990,7 +990,7 @@
           <p:cNvPr id="3" name="文本占位符 2">
             <a:extLst>
               <a:ext uri="{FF2B5EF4-FFF2-40B4-BE49-F238E27FC236}">
-                <a16:creationId xmlns:a16="http://schemas.microsoft.com/office/drawing/2014/main" id="{D631561B-52E1-13DD-9264-6067A52A7789}"/>
+                <a16:creationId xmlns:a16="http://schemas.microsoft.com/office/drawing/2014/main" id="{25F02CE8-D230-6BC5-AD15-408CBD5ED09B}"/>
               </a:ext>
             </a:extLst>
           </p:cNvPr>
@@ -1115,7 +1115,7 @@
           <p:cNvPr id="4" name="日期占位符 3">
             <a:extLst>
               <a:ext uri="{FF2B5EF4-FFF2-40B4-BE49-F238E27FC236}">
-                <a16:creationId xmlns:a16="http://schemas.microsoft.com/office/drawing/2014/main" id="{2EE85E22-F998-D594-89AF-F20DD555BA3D}"/>
+                <a16:creationId xmlns:a16="http://schemas.microsoft.com/office/drawing/2014/main" id="{D0AFDF88-CB54-1529-F079-689628273974}"/>
               </a:ext>
             </a:extLst>
           </p:cNvPr>
@@ -1131,7 +1131,7 @@
           <a:bodyPr/>
           <a:lstStyle/>
           <a:p>
-            <a:fld id="{65201528-2304-4191-AF0B-695AD4080AFB}" type="datetimeFigureOut">
+            <a:fld id="{DB3ADA56-4BFC-4764-AF79-9C2F8FA2BA92}" type="datetimeFigureOut">
               <a:rPr lang="zh-CN" altLang="en-US" smtClean="0"/>
               <a:t>2024/3/10</a:t>
             </a:fld>
@@ -1144,7 +1144,7 @@
           <p:cNvPr id="5" name="页脚占位符 4">
             <a:extLst>
               <a:ext uri="{FF2B5EF4-FFF2-40B4-BE49-F238E27FC236}">
-                <a16:creationId xmlns:a16="http://schemas.microsoft.com/office/drawing/2014/main" id="{2570BD51-62E4-DA2F-EF5F-DBED8571F0E1}"/>
+                <a16:creationId xmlns:a16="http://schemas.microsoft.com/office/drawing/2014/main" id="{9C575E22-F961-C56D-1072-0926B145435D}"/>
               </a:ext>
             </a:extLst>
           </p:cNvPr>
@@ -1169,7 +1169,7 @@
           <p:cNvPr id="6" name="灯片编号占位符 5">
             <a:extLst>
               <a:ext uri="{FF2B5EF4-FFF2-40B4-BE49-F238E27FC236}">
-                <a16:creationId xmlns:a16="http://schemas.microsoft.com/office/drawing/2014/main" id="{5D7FAC51-4930-94D7-99E0-815EB9A2936A}"/>
+                <a16:creationId xmlns:a16="http://schemas.microsoft.com/office/drawing/2014/main" id="{DCC44E0F-9E46-D2AA-4006-2F233CAB868F}"/>
               </a:ext>
             </a:extLst>
           </p:cNvPr>
@@ -1185,7 +1185,7 @@
           <a:bodyPr/>
           <a:lstStyle/>
           <a:p>
-            <a:fld id="{47B33811-7310-42C7-A880-EE3CF3E535A2}" type="slidenum">
+            <a:fld id="{0E145A28-3047-4040-9F22-1A9AF4EA5A33}" type="slidenum">
               <a:rPr lang="zh-CN" altLang="en-US" smtClean="0"/>
               <a:t>‹#›</a:t>
             </a:fld>
@@ -1196,7 +1196,7 @@
     </p:spTree>
     <p:extLst>
       <p:ext uri="{BB962C8B-B14F-4D97-AF65-F5344CB8AC3E}">
-        <p14:creationId xmlns:p14="http://schemas.microsoft.com/office/powerpoint/2010/main" val="3454579789"/>
+        <p14:creationId xmlns:p14="http://schemas.microsoft.com/office/powerpoint/2010/main" val="3784947951"/>
       </p:ext>
     </p:extLst>
   </p:cSld>
@@ -1228,7 +1228,7 @@
           <p:cNvPr id="2" name="标题 1">
             <a:extLst>
               <a:ext uri="{FF2B5EF4-FFF2-40B4-BE49-F238E27FC236}">
-                <a16:creationId xmlns:a16="http://schemas.microsoft.com/office/drawing/2014/main" id="{A1A070C3-D727-B7E6-818B-0E2A21409F90}"/>
+                <a16:creationId xmlns:a16="http://schemas.microsoft.com/office/drawing/2014/main" id="{33B912C0-0189-3AB9-F9D2-606CBF3B2569}"/>
               </a:ext>
             </a:extLst>
           </p:cNvPr>
@@ -1256,7 +1256,7 @@
           <p:cNvPr id="3" name="内容占位符 2">
             <a:extLst>
               <a:ext uri="{FF2B5EF4-FFF2-40B4-BE49-F238E27FC236}">
-                <a16:creationId xmlns:a16="http://schemas.microsoft.com/office/drawing/2014/main" id="{EA6EF768-4E5C-E0A9-625C-F916917F8AD2}"/>
+                <a16:creationId xmlns:a16="http://schemas.microsoft.com/office/drawing/2014/main" id="{2F8B2206-DEAE-AA95-9241-1A193A8DB8C9}"/>
               </a:ext>
             </a:extLst>
           </p:cNvPr>
@@ -1318,7 +1318,7 @@
           <p:cNvPr id="4" name="内容占位符 3">
             <a:extLst>
               <a:ext uri="{FF2B5EF4-FFF2-40B4-BE49-F238E27FC236}">
-                <a16:creationId xmlns:a16="http://schemas.microsoft.com/office/drawing/2014/main" id="{0C469E44-F491-FB80-1A10-C98B8B12957D}"/>
+                <a16:creationId xmlns:a16="http://schemas.microsoft.com/office/drawing/2014/main" id="{4065F1BC-8769-1FA2-D3C2-316370D03FD3}"/>
               </a:ext>
             </a:extLst>
           </p:cNvPr>
@@ -1380,7 +1380,7 @@
           <p:cNvPr id="5" name="日期占位符 4">
             <a:extLst>
               <a:ext uri="{FF2B5EF4-FFF2-40B4-BE49-F238E27FC236}">
-                <a16:creationId xmlns:a16="http://schemas.microsoft.com/office/drawing/2014/main" id="{8BF9606E-7003-3BB4-1C3B-E76FD789DFD4}"/>
+                <a16:creationId xmlns:a16="http://schemas.microsoft.com/office/drawing/2014/main" id="{D2D08EEF-13E9-BE7E-288B-60BF5134DE1D}"/>
               </a:ext>
             </a:extLst>
           </p:cNvPr>
@@ -1396,7 +1396,7 @@
           <a:bodyPr/>
           <a:lstStyle/>
           <a:p>
-            <a:fld id="{65201528-2304-4191-AF0B-695AD4080AFB}" type="datetimeFigureOut">
+            <a:fld id="{DB3ADA56-4BFC-4764-AF79-9C2F8FA2BA92}" type="datetimeFigureOut">
               <a:rPr lang="zh-CN" altLang="en-US" smtClean="0"/>
               <a:t>2024/3/10</a:t>
             </a:fld>
@@ -1409,7 +1409,7 @@
           <p:cNvPr id="6" name="页脚占位符 5">
             <a:extLst>
               <a:ext uri="{FF2B5EF4-FFF2-40B4-BE49-F238E27FC236}">
-                <a16:creationId xmlns:a16="http://schemas.microsoft.com/office/drawing/2014/main" id="{3B0036EB-87C9-640F-E583-97CC6CF6C3D7}"/>
+                <a16:creationId xmlns:a16="http://schemas.microsoft.com/office/drawing/2014/main" id="{5DB69959-E545-88E7-0F5F-EDBD902081AB}"/>
               </a:ext>
             </a:extLst>
           </p:cNvPr>
@@ -1434,7 +1434,7 @@
           <p:cNvPr id="7" name="灯片编号占位符 6">
             <a:extLst>
               <a:ext uri="{FF2B5EF4-FFF2-40B4-BE49-F238E27FC236}">
-                <a16:creationId xmlns:a16="http://schemas.microsoft.com/office/drawing/2014/main" id="{808B2A35-8B83-CF41-33DF-01A5A05F3BDC}"/>
+                <a16:creationId xmlns:a16="http://schemas.microsoft.com/office/drawing/2014/main" id="{47B31D2B-608A-B014-68E7-D1DB00B9D864}"/>
               </a:ext>
             </a:extLst>
           </p:cNvPr>
@@ -1450,7 +1450,7 @@
           <a:bodyPr/>
           <a:lstStyle/>
           <a:p>
-            <a:fld id="{47B33811-7310-42C7-A880-EE3CF3E535A2}" type="slidenum">
+            <a:fld id="{0E145A28-3047-4040-9F22-1A9AF4EA5A33}" type="slidenum">
               <a:rPr lang="zh-CN" altLang="en-US" smtClean="0"/>
               <a:t>‹#›</a:t>
             </a:fld>
@@ -1461,7 +1461,7 @@
     </p:spTree>
     <p:extLst>
       <p:ext uri="{BB962C8B-B14F-4D97-AF65-F5344CB8AC3E}">
-        <p14:creationId xmlns:p14="http://schemas.microsoft.com/office/powerpoint/2010/main" val="3317958921"/>
+        <p14:creationId xmlns:p14="http://schemas.microsoft.com/office/powerpoint/2010/main" val="575477081"/>
       </p:ext>
     </p:extLst>
   </p:cSld>
@@ -1493,7 +1493,7 @@
           <p:cNvPr id="2" name="标题 1">
             <a:extLst>
               <a:ext uri="{FF2B5EF4-FFF2-40B4-BE49-F238E27FC236}">
-                <a16:creationId xmlns:a16="http://schemas.microsoft.com/office/drawing/2014/main" id="{5B85ED73-4E47-D4E2-B9B4-DC4B6E9EB3EB}"/>
+                <a16:creationId xmlns:a16="http://schemas.microsoft.com/office/drawing/2014/main" id="{94958FCF-B7B3-53E8-6049-70F5A057F3BA}"/>
               </a:ext>
             </a:extLst>
           </p:cNvPr>
@@ -1526,7 +1526,7 @@
           <p:cNvPr id="3" name="文本占位符 2">
             <a:extLst>
               <a:ext uri="{FF2B5EF4-FFF2-40B4-BE49-F238E27FC236}">
-                <a16:creationId xmlns:a16="http://schemas.microsoft.com/office/drawing/2014/main" id="{2AFC71EC-715E-BDA7-3B72-0516F8B620DD}"/>
+                <a16:creationId xmlns:a16="http://schemas.microsoft.com/office/drawing/2014/main" id="{0F3FAC38-7AC2-29AD-D267-CF0F10BAE649}"/>
               </a:ext>
             </a:extLst>
           </p:cNvPr>
@@ -1597,7 +1597,7 @@
           <p:cNvPr id="4" name="内容占位符 3">
             <a:extLst>
               <a:ext uri="{FF2B5EF4-FFF2-40B4-BE49-F238E27FC236}">
-                <a16:creationId xmlns:a16="http://schemas.microsoft.com/office/drawing/2014/main" id="{71CCE97F-E35D-C54E-6AF1-5538F84D7D78}"/>
+                <a16:creationId xmlns:a16="http://schemas.microsoft.com/office/drawing/2014/main" id="{5850E6B1-2163-8FAD-ADA7-63DB5440F3F3}"/>
               </a:ext>
             </a:extLst>
           </p:cNvPr>
@@ -1659,7 +1659,7 @@
           <p:cNvPr id="5" name="文本占位符 4">
             <a:extLst>
               <a:ext uri="{FF2B5EF4-FFF2-40B4-BE49-F238E27FC236}">
-                <a16:creationId xmlns:a16="http://schemas.microsoft.com/office/drawing/2014/main" id="{5925FDEA-92A6-422C-86AC-82622B7C1A2F}"/>
+                <a16:creationId xmlns:a16="http://schemas.microsoft.com/office/drawing/2014/main" id="{7556553E-7808-644F-AFB0-C073A4CD4F9C}"/>
               </a:ext>
             </a:extLst>
           </p:cNvPr>
@@ -1730,7 +1730,7 @@
           <p:cNvPr id="6" name="内容占位符 5">
             <a:extLst>
               <a:ext uri="{FF2B5EF4-FFF2-40B4-BE49-F238E27FC236}">
-                <a16:creationId xmlns:a16="http://schemas.microsoft.com/office/drawing/2014/main" id="{8130ABBF-FD93-FA89-02EF-FF230A8483D7}"/>
+                <a16:creationId xmlns:a16="http://schemas.microsoft.com/office/drawing/2014/main" id="{7ED7CCF8-7C52-E984-0056-64B46B1A3CF3}"/>
               </a:ext>
             </a:extLst>
           </p:cNvPr>
@@ -1792,7 +1792,7 @@
           <p:cNvPr id="7" name="日期占位符 6">
             <a:extLst>
               <a:ext uri="{FF2B5EF4-FFF2-40B4-BE49-F238E27FC236}">
-                <a16:creationId xmlns:a16="http://schemas.microsoft.com/office/drawing/2014/main" id="{B380AB20-A69E-B75A-0741-69ABD745C6D7}"/>
+                <a16:creationId xmlns:a16="http://schemas.microsoft.com/office/drawing/2014/main" id="{BEBBC81C-E745-97B3-B255-D7A94EF2E0FF}"/>
               </a:ext>
             </a:extLst>
           </p:cNvPr>
@@ -1808,7 +1808,7 @@
           <a:bodyPr/>
           <a:lstStyle/>
           <a:p>
-            <a:fld id="{65201528-2304-4191-AF0B-695AD4080AFB}" type="datetimeFigureOut">
+            <a:fld id="{DB3ADA56-4BFC-4764-AF79-9C2F8FA2BA92}" type="datetimeFigureOut">
               <a:rPr lang="zh-CN" altLang="en-US" smtClean="0"/>
               <a:t>2024/3/10</a:t>
             </a:fld>
@@ -1821,7 +1821,7 @@
           <p:cNvPr id="8" name="页脚占位符 7">
             <a:extLst>
               <a:ext uri="{FF2B5EF4-FFF2-40B4-BE49-F238E27FC236}">
-                <a16:creationId xmlns:a16="http://schemas.microsoft.com/office/drawing/2014/main" id="{98ABB526-7B53-6CCB-8886-9E965A8584B5}"/>
+                <a16:creationId xmlns:a16="http://schemas.microsoft.com/office/drawing/2014/main" id="{14442149-F963-F92E-57C5-A105763A702C}"/>
               </a:ext>
             </a:extLst>
           </p:cNvPr>
@@ -1846,7 +1846,7 @@
           <p:cNvPr id="9" name="灯片编号占位符 8">
             <a:extLst>
               <a:ext uri="{FF2B5EF4-FFF2-40B4-BE49-F238E27FC236}">
-                <a16:creationId xmlns:a16="http://schemas.microsoft.com/office/drawing/2014/main" id="{93230484-9F90-A233-5672-0C908D7114B8}"/>
+                <a16:creationId xmlns:a16="http://schemas.microsoft.com/office/drawing/2014/main" id="{87115F00-64CE-34F0-0E55-ACBC70F2F804}"/>
               </a:ext>
             </a:extLst>
           </p:cNvPr>
@@ -1862,7 +1862,7 @@
           <a:bodyPr/>
           <a:lstStyle/>
           <a:p>
-            <a:fld id="{47B33811-7310-42C7-A880-EE3CF3E535A2}" type="slidenum">
+            <a:fld id="{0E145A28-3047-4040-9F22-1A9AF4EA5A33}" type="slidenum">
               <a:rPr lang="zh-CN" altLang="en-US" smtClean="0"/>
               <a:t>‹#›</a:t>
             </a:fld>
@@ -1873,7 +1873,7 @@
     </p:spTree>
     <p:extLst>
       <p:ext uri="{BB962C8B-B14F-4D97-AF65-F5344CB8AC3E}">
-        <p14:creationId xmlns:p14="http://schemas.microsoft.com/office/powerpoint/2010/main" val="3283560127"/>
+        <p14:creationId xmlns:p14="http://schemas.microsoft.com/office/powerpoint/2010/main" val="2886636646"/>
       </p:ext>
     </p:extLst>
   </p:cSld>
@@ -1905,7 +1905,7 @@
           <p:cNvPr id="2" name="标题 1">
             <a:extLst>
               <a:ext uri="{FF2B5EF4-FFF2-40B4-BE49-F238E27FC236}">
-                <a16:creationId xmlns:a16="http://schemas.microsoft.com/office/drawing/2014/main" id="{31D0277E-ED1F-26B7-6CE1-64E3C64FCDC3}"/>
+                <a16:creationId xmlns:a16="http://schemas.microsoft.com/office/drawing/2014/main" id="{3A712BB3-B772-3206-14B0-D9BA82EE3226}"/>
               </a:ext>
             </a:extLst>
           </p:cNvPr>
@@ -1933,7 +1933,7 @@
           <p:cNvPr id="3" name="日期占位符 2">
             <a:extLst>
               <a:ext uri="{FF2B5EF4-FFF2-40B4-BE49-F238E27FC236}">
-                <a16:creationId xmlns:a16="http://schemas.microsoft.com/office/drawing/2014/main" id="{E6138F6D-234B-F5C5-C0A3-23785B3AB174}"/>
+                <a16:creationId xmlns:a16="http://schemas.microsoft.com/office/drawing/2014/main" id="{C6AB14C2-D64B-81C1-89C7-D7E1807A5EC7}"/>
               </a:ext>
             </a:extLst>
           </p:cNvPr>
@@ -1949,7 +1949,7 @@
           <a:bodyPr/>
           <a:lstStyle/>
           <a:p>
-            <a:fld id="{65201528-2304-4191-AF0B-695AD4080AFB}" type="datetimeFigureOut">
+            <a:fld id="{DB3ADA56-4BFC-4764-AF79-9C2F8FA2BA92}" type="datetimeFigureOut">
               <a:rPr lang="zh-CN" altLang="en-US" smtClean="0"/>
               <a:t>2024/3/10</a:t>
             </a:fld>
@@ -1962,7 +1962,7 @@
           <p:cNvPr id="4" name="页脚占位符 3">
             <a:extLst>
               <a:ext uri="{FF2B5EF4-FFF2-40B4-BE49-F238E27FC236}">
-                <a16:creationId xmlns:a16="http://schemas.microsoft.com/office/drawing/2014/main" id="{D5F9ADF8-069E-E51E-0A0E-C1860EA28F57}"/>
+                <a16:creationId xmlns:a16="http://schemas.microsoft.com/office/drawing/2014/main" id="{5613BD47-981D-CCBB-41B8-BB74CF6C6460}"/>
               </a:ext>
             </a:extLst>
           </p:cNvPr>
@@ -1987,7 +1987,7 @@
           <p:cNvPr id="5" name="灯片编号占位符 4">
             <a:extLst>
               <a:ext uri="{FF2B5EF4-FFF2-40B4-BE49-F238E27FC236}">
-                <a16:creationId xmlns:a16="http://schemas.microsoft.com/office/drawing/2014/main" id="{2886DA06-EED1-5370-5335-645F8FFEADD0}"/>
+                <a16:creationId xmlns:a16="http://schemas.microsoft.com/office/drawing/2014/main" id="{A472D204-2C70-428F-1F64-E4DDEE746F6D}"/>
               </a:ext>
             </a:extLst>
           </p:cNvPr>
@@ -2003,7 +2003,7 @@
           <a:bodyPr/>
           <a:lstStyle/>
           <a:p>
-            <a:fld id="{47B33811-7310-42C7-A880-EE3CF3E535A2}" type="slidenum">
+            <a:fld id="{0E145A28-3047-4040-9F22-1A9AF4EA5A33}" type="slidenum">
               <a:rPr lang="zh-CN" altLang="en-US" smtClean="0"/>
               <a:t>‹#›</a:t>
             </a:fld>
@@ -2014,7 +2014,7 @@
     </p:spTree>
     <p:extLst>
       <p:ext uri="{BB962C8B-B14F-4D97-AF65-F5344CB8AC3E}">
-        <p14:creationId xmlns:p14="http://schemas.microsoft.com/office/powerpoint/2010/main" val="3747424918"/>
+        <p14:creationId xmlns:p14="http://schemas.microsoft.com/office/powerpoint/2010/main" val="269447580"/>
       </p:ext>
     </p:extLst>
   </p:cSld>
@@ -2046,7 +2046,7 @@
           <p:cNvPr id="2" name="日期占位符 1">
             <a:extLst>
               <a:ext uri="{FF2B5EF4-FFF2-40B4-BE49-F238E27FC236}">
-                <a16:creationId xmlns:a16="http://schemas.microsoft.com/office/drawing/2014/main" id="{329FADC0-311D-5AFE-C306-9C11053248EA}"/>
+                <a16:creationId xmlns:a16="http://schemas.microsoft.com/office/drawing/2014/main" id="{DF6E9E75-F153-1876-34DC-22D086CC8B74}"/>
               </a:ext>
             </a:extLst>
           </p:cNvPr>
@@ -2062,7 +2062,7 @@
           <a:bodyPr/>
           <a:lstStyle/>
           <a:p>
-            <a:fld id="{65201528-2304-4191-AF0B-695AD4080AFB}" type="datetimeFigureOut">
+            <a:fld id="{DB3ADA56-4BFC-4764-AF79-9C2F8FA2BA92}" type="datetimeFigureOut">
               <a:rPr lang="zh-CN" altLang="en-US" smtClean="0"/>
               <a:t>2024/3/10</a:t>
             </a:fld>
@@ -2075,7 +2075,7 @@
           <p:cNvPr id="3" name="页脚占位符 2">
             <a:extLst>
               <a:ext uri="{FF2B5EF4-FFF2-40B4-BE49-F238E27FC236}">
-                <a16:creationId xmlns:a16="http://schemas.microsoft.com/office/drawing/2014/main" id="{3189246A-8571-7271-1FCE-9B86D0203702}"/>
+                <a16:creationId xmlns:a16="http://schemas.microsoft.com/office/drawing/2014/main" id="{68659086-4D19-5AB0-52BB-E599C654C7C7}"/>
               </a:ext>
             </a:extLst>
           </p:cNvPr>
@@ -2100,7 +2100,7 @@
           <p:cNvPr id="4" name="灯片编号占位符 3">
             <a:extLst>
               <a:ext uri="{FF2B5EF4-FFF2-40B4-BE49-F238E27FC236}">
-                <a16:creationId xmlns:a16="http://schemas.microsoft.com/office/drawing/2014/main" id="{73D4706E-8553-2DEC-F9BA-7ACA68B670FB}"/>
+                <a16:creationId xmlns:a16="http://schemas.microsoft.com/office/drawing/2014/main" id="{3BC65E6B-9C55-3BDD-4DAE-D9A21DD649E5}"/>
               </a:ext>
             </a:extLst>
           </p:cNvPr>
@@ -2116,7 +2116,7 @@
           <a:bodyPr/>
           <a:lstStyle/>
           <a:p>
-            <a:fld id="{47B33811-7310-42C7-A880-EE3CF3E535A2}" type="slidenum">
+            <a:fld id="{0E145A28-3047-4040-9F22-1A9AF4EA5A33}" type="slidenum">
               <a:rPr lang="zh-CN" altLang="en-US" smtClean="0"/>
               <a:t>‹#›</a:t>
             </a:fld>
@@ -2127,7 +2127,7 @@
     </p:spTree>
     <p:extLst>
       <p:ext uri="{BB962C8B-B14F-4D97-AF65-F5344CB8AC3E}">
-        <p14:creationId xmlns:p14="http://schemas.microsoft.com/office/powerpoint/2010/main" val="2506995758"/>
+        <p14:creationId xmlns:p14="http://schemas.microsoft.com/office/powerpoint/2010/main" val="507527497"/>
       </p:ext>
     </p:extLst>
   </p:cSld>
@@ -2159,7 +2159,7 @@
           <p:cNvPr id="2" name="标题 1">
             <a:extLst>
               <a:ext uri="{FF2B5EF4-FFF2-40B4-BE49-F238E27FC236}">
-                <a16:creationId xmlns:a16="http://schemas.microsoft.com/office/drawing/2014/main" id="{11C98E34-FB3A-CD73-5A77-9E80DAC12BE8}"/>
+                <a16:creationId xmlns:a16="http://schemas.microsoft.com/office/drawing/2014/main" id="{ED597C05-AC54-0AB1-2953-33210EB5F1F5}"/>
               </a:ext>
             </a:extLst>
           </p:cNvPr>
@@ -2196,7 +2196,7 @@
           <p:cNvPr id="3" name="内容占位符 2">
             <a:extLst>
               <a:ext uri="{FF2B5EF4-FFF2-40B4-BE49-F238E27FC236}">
-                <a16:creationId xmlns:a16="http://schemas.microsoft.com/office/drawing/2014/main" id="{603C443C-9B36-567B-84EE-BCAA0529CD3C}"/>
+                <a16:creationId xmlns:a16="http://schemas.microsoft.com/office/drawing/2014/main" id="{61E64853-718A-51A8-BAE9-96983263543D}"/>
               </a:ext>
             </a:extLst>
           </p:cNvPr>
@@ -2286,7 +2286,7 @@
           <p:cNvPr id="4" name="文本占位符 3">
             <a:extLst>
               <a:ext uri="{FF2B5EF4-FFF2-40B4-BE49-F238E27FC236}">
-                <a16:creationId xmlns:a16="http://schemas.microsoft.com/office/drawing/2014/main" id="{06178A29-1326-5824-2476-A2718F528894}"/>
+                <a16:creationId xmlns:a16="http://schemas.microsoft.com/office/drawing/2014/main" id="{CE7B9CE7-837C-7A95-6CDF-FA27AE601582}"/>
               </a:ext>
             </a:extLst>
           </p:cNvPr>
@@ -2357,7 +2357,7 @@
           <p:cNvPr id="5" name="日期占位符 4">
             <a:extLst>
               <a:ext uri="{FF2B5EF4-FFF2-40B4-BE49-F238E27FC236}">
-                <a16:creationId xmlns:a16="http://schemas.microsoft.com/office/drawing/2014/main" id="{125ACA3B-FC52-228B-AA4E-0E09B9EC294A}"/>
+                <a16:creationId xmlns:a16="http://schemas.microsoft.com/office/drawing/2014/main" id="{72E5D13C-C15D-D223-F9C4-83AE78081457}"/>
               </a:ext>
             </a:extLst>
           </p:cNvPr>
@@ -2373,7 +2373,7 @@
           <a:bodyPr/>
           <a:lstStyle/>
           <a:p>
-            <a:fld id="{65201528-2304-4191-AF0B-695AD4080AFB}" type="datetimeFigureOut">
+            <a:fld id="{DB3ADA56-4BFC-4764-AF79-9C2F8FA2BA92}" type="datetimeFigureOut">
               <a:rPr lang="zh-CN" altLang="en-US" smtClean="0"/>
               <a:t>2024/3/10</a:t>
             </a:fld>
@@ -2386,7 +2386,7 @@
           <p:cNvPr id="6" name="页脚占位符 5">
             <a:extLst>
               <a:ext uri="{FF2B5EF4-FFF2-40B4-BE49-F238E27FC236}">
-                <a16:creationId xmlns:a16="http://schemas.microsoft.com/office/drawing/2014/main" id="{EBC2A7A2-12BD-6CAD-DFD1-C5DA1B169170}"/>
+                <a16:creationId xmlns:a16="http://schemas.microsoft.com/office/drawing/2014/main" id="{4189BFA9-2BBA-FDA7-4528-E46068FE0A28}"/>
               </a:ext>
             </a:extLst>
           </p:cNvPr>
@@ -2411,7 +2411,7 @@
           <p:cNvPr id="7" name="灯片编号占位符 6">
             <a:extLst>
               <a:ext uri="{FF2B5EF4-FFF2-40B4-BE49-F238E27FC236}">
-                <a16:creationId xmlns:a16="http://schemas.microsoft.com/office/drawing/2014/main" id="{B2534A8F-546B-3C5A-F101-6BB9BC1BA863}"/>
+                <a16:creationId xmlns:a16="http://schemas.microsoft.com/office/drawing/2014/main" id="{D84AB6A9-07AC-0006-4F3B-63D359F3D716}"/>
               </a:ext>
             </a:extLst>
           </p:cNvPr>
@@ -2427,7 +2427,7 @@
           <a:bodyPr/>
           <a:lstStyle/>
           <a:p>
-            <a:fld id="{47B33811-7310-42C7-A880-EE3CF3E535A2}" type="slidenum">
+            <a:fld id="{0E145A28-3047-4040-9F22-1A9AF4EA5A33}" type="slidenum">
               <a:rPr lang="zh-CN" altLang="en-US" smtClean="0"/>
               <a:t>‹#›</a:t>
             </a:fld>
@@ -2438,7 +2438,7 @@
     </p:spTree>
     <p:extLst>
       <p:ext uri="{BB962C8B-B14F-4D97-AF65-F5344CB8AC3E}">
-        <p14:creationId xmlns:p14="http://schemas.microsoft.com/office/powerpoint/2010/main" val="3478220847"/>
+        <p14:creationId xmlns:p14="http://schemas.microsoft.com/office/powerpoint/2010/main" val="290351592"/>
       </p:ext>
     </p:extLst>
   </p:cSld>
@@ -2470,7 +2470,7 @@
           <p:cNvPr id="2" name="标题 1">
             <a:extLst>
               <a:ext uri="{FF2B5EF4-FFF2-40B4-BE49-F238E27FC236}">
-                <a16:creationId xmlns:a16="http://schemas.microsoft.com/office/drawing/2014/main" id="{C41FD490-27A8-004E-B25E-DED30B218C6A}"/>
+                <a16:creationId xmlns:a16="http://schemas.microsoft.com/office/drawing/2014/main" id="{FFC8EA88-74F2-0DA1-3FAF-6AE7EE9BFB92}"/>
               </a:ext>
             </a:extLst>
           </p:cNvPr>
@@ -2507,7 +2507,7 @@
           <p:cNvPr id="3" name="图片占位符 2">
             <a:extLst>
               <a:ext uri="{FF2B5EF4-FFF2-40B4-BE49-F238E27FC236}">
-                <a16:creationId xmlns:a16="http://schemas.microsoft.com/office/drawing/2014/main" id="{FE08119C-72B6-680B-6B14-F509C1CABF5A}"/>
+                <a16:creationId xmlns:a16="http://schemas.microsoft.com/office/drawing/2014/main" id="{952F6ACA-CEBD-2790-EC53-009071EA738D}"/>
               </a:ext>
             </a:extLst>
           </p:cNvPr>
@@ -2574,7 +2574,7 @@
           <p:cNvPr id="4" name="文本占位符 3">
             <a:extLst>
               <a:ext uri="{FF2B5EF4-FFF2-40B4-BE49-F238E27FC236}">
-                <a16:creationId xmlns:a16="http://schemas.microsoft.com/office/drawing/2014/main" id="{3D48EB0D-684F-7358-45C1-1BAF3E7394BD}"/>
+                <a16:creationId xmlns:a16="http://schemas.microsoft.com/office/drawing/2014/main" id="{47639DCC-1EF0-E60A-C6FC-770234C9057F}"/>
               </a:ext>
             </a:extLst>
           </p:cNvPr>
@@ -2645,7 +2645,7 @@
           <p:cNvPr id="5" name="日期占位符 4">
             <a:extLst>
               <a:ext uri="{FF2B5EF4-FFF2-40B4-BE49-F238E27FC236}">
-                <a16:creationId xmlns:a16="http://schemas.microsoft.com/office/drawing/2014/main" id="{D3ADA774-287C-A235-88BA-E854A1DC7C30}"/>
+                <a16:creationId xmlns:a16="http://schemas.microsoft.com/office/drawing/2014/main" id="{37EEF1AA-A907-702C-D8D9-252B269DC6BC}"/>
               </a:ext>
             </a:extLst>
           </p:cNvPr>
@@ -2661,7 +2661,7 @@
           <a:bodyPr/>
           <a:lstStyle/>
           <a:p>
-            <a:fld id="{65201528-2304-4191-AF0B-695AD4080AFB}" type="datetimeFigureOut">
+            <a:fld id="{DB3ADA56-4BFC-4764-AF79-9C2F8FA2BA92}" type="datetimeFigureOut">
               <a:rPr lang="zh-CN" altLang="en-US" smtClean="0"/>
               <a:t>2024/3/10</a:t>
             </a:fld>
@@ -2674,7 +2674,7 @@
           <p:cNvPr id="6" name="页脚占位符 5">
             <a:extLst>
               <a:ext uri="{FF2B5EF4-FFF2-40B4-BE49-F238E27FC236}">
-                <a16:creationId xmlns:a16="http://schemas.microsoft.com/office/drawing/2014/main" id="{F5347192-D4E6-DAD1-7785-D4DBE35067DF}"/>
+                <a16:creationId xmlns:a16="http://schemas.microsoft.com/office/drawing/2014/main" id="{DBE3380B-0437-B3EB-FE22-A47D6981F234}"/>
               </a:ext>
             </a:extLst>
           </p:cNvPr>
@@ -2699,7 +2699,7 @@
           <p:cNvPr id="7" name="灯片编号占位符 6">
             <a:extLst>
               <a:ext uri="{FF2B5EF4-FFF2-40B4-BE49-F238E27FC236}">
-                <a16:creationId xmlns:a16="http://schemas.microsoft.com/office/drawing/2014/main" id="{BA0331DE-8A35-3857-86CF-D2E02BA4E301}"/>
+                <a16:creationId xmlns:a16="http://schemas.microsoft.com/office/drawing/2014/main" id="{16A7FFFE-1C8D-B9AC-8C3D-14518AFF0DFC}"/>
               </a:ext>
             </a:extLst>
           </p:cNvPr>
@@ -2715,7 +2715,7 @@
           <a:bodyPr/>
           <a:lstStyle/>
           <a:p>
-            <a:fld id="{47B33811-7310-42C7-A880-EE3CF3E535A2}" type="slidenum">
+            <a:fld id="{0E145A28-3047-4040-9F22-1A9AF4EA5A33}" type="slidenum">
               <a:rPr lang="zh-CN" altLang="en-US" smtClean="0"/>
               <a:t>‹#›</a:t>
             </a:fld>
@@ -2726,7 +2726,7 @@
     </p:spTree>
     <p:extLst>
       <p:ext uri="{BB962C8B-B14F-4D97-AF65-F5344CB8AC3E}">
-        <p14:creationId xmlns:p14="http://schemas.microsoft.com/office/powerpoint/2010/main" val="2234606592"/>
+        <p14:creationId xmlns:p14="http://schemas.microsoft.com/office/powerpoint/2010/main" val="1436968899"/>
       </p:ext>
     </p:extLst>
   </p:cSld>
@@ -2763,7 +2763,7 @@
           <p:cNvPr id="2" name="标题占位符 1">
             <a:extLst>
               <a:ext uri="{FF2B5EF4-FFF2-40B4-BE49-F238E27FC236}">
-                <a16:creationId xmlns:a16="http://schemas.microsoft.com/office/drawing/2014/main" id="{3467A520-ABDF-E091-DB33-3A8244E7D822}"/>
+                <a16:creationId xmlns:a16="http://schemas.microsoft.com/office/drawing/2014/main" id="{28130D8C-2FAF-1B7F-DB47-23A4E301C14D}"/>
               </a:ext>
             </a:extLst>
           </p:cNvPr>
@@ -2801,7 +2801,7 @@
           <p:cNvPr id="3" name="文本占位符 2">
             <a:extLst>
               <a:ext uri="{FF2B5EF4-FFF2-40B4-BE49-F238E27FC236}">
-                <a16:creationId xmlns:a16="http://schemas.microsoft.com/office/drawing/2014/main" id="{B6DCC925-0EA1-3387-AD6A-89B3C792DCEC}"/>
+                <a16:creationId xmlns:a16="http://schemas.microsoft.com/office/drawing/2014/main" id="{4E5DFB55-BB28-571E-2BA8-37A21F884D27}"/>
               </a:ext>
             </a:extLst>
           </p:cNvPr>
@@ -2868,7 +2868,7 @@
           <p:cNvPr id="4" name="日期占位符 3">
             <a:extLst>
               <a:ext uri="{FF2B5EF4-FFF2-40B4-BE49-F238E27FC236}">
-                <a16:creationId xmlns:a16="http://schemas.microsoft.com/office/drawing/2014/main" id="{C24D3BAB-2DED-465D-D443-92E41C3BEEE7}"/>
+                <a16:creationId xmlns:a16="http://schemas.microsoft.com/office/drawing/2014/main" id="{2E00537B-A202-7655-2467-CB12C1DEC8AF}"/>
               </a:ext>
             </a:extLst>
           </p:cNvPr>
@@ -2902,7 +2902,7 @@
             </a:lvl1pPr>
           </a:lstStyle>
           <a:p>
-            <a:fld id="{65201528-2304-4191-AF0B-695AD4080AFB}" type="datetimeFigureOut">
+            <a:fld id="{DB3ADA56-4BFC-4764-AF79-9C2F8FA2BA92}" type="datetimeFigureOut">
               <a:rPr lang="zh-CN" altLang="en-US" smtClean="0"/>
               <a:t>2024/3/10</a:t>
             </a:fld>
@@ -2915,7 +2915,7 @@
           <p:cNvPr id="5" name="页脚占位符 4">
             <a:extLst>
               <a:ext uri="{FF2B5EF4-FFF2-40B4-BE49-F238E27FC236}">
-                <a16:creationId xmlns:a16="http://schemas.microsoft.com/office/drawing/2014/main" id="{CDA243CA-E78F-151A-F3F1-88179A694E9A}"/>
+                <a16:creationId xmlns:a16="http://schemas.microsoft.com/office/drawing/2014/main" id="{281C9690-2E79-EA8C-FA92-2233BA750B9A}"/>
               </a:ext>
             </a:extLst>
           </p:cNvPr>
@@ -2958,7 +2958,7 @@
           <p:cNvPr id="6" name="灯片编号占位符 5">
             <a:extLst>
               <a:ext uri="{FF2B5EF4-FFF2-40B4-BE49-F238E27FC236}">
-                <a16:creationId xmlns:a16="http://schemas.microsoft.com/office/drawing/2014/main" id="{27986594-EEEA-A9BE-4C5D-D0A65B72B53C}"/>
+                <a16:creationId xmlns:a16="http://schemas.microsoft.com/office/drawing/2014/main" id="{9514594D-AABD-223B-7B1F-EAB492C846AB}"/>
               </a:ext>
             </a:extLst>
           </p:cNvPr>
@@ -2992,7 +2992,7 @@
             </a:lvl1pPr>
           </a:lstStyle>
           <a:p>
-            <a:fld id="{47B33811-7310-42C7-A880-EE3CF3E535A2}" type="slidenum">
+            <a:fld id="{0E145A28-3047-4040-9F22-1A9AF4EA5A33}" type="slidenum">
               <a:rPr lang="zh-CN" altLang="en-US" smtClean="0"/>
               <a:t>‹#›</a:t>
             </a:fld>
@@ -3003,7 +3003,7 @@
     </p:spTree>
     <p:extLst>
       <p:ext uri="{BB962C8B-B14F-4D97-AF65-F5344CB8AC3E}">
-        <p14:creationId xmlns:p14="http://schemas.microsoft.com/office/powerpoint/2010/main" val="1836358311"/>
+        <p14:creationId xmlns:p14="http://schemas.microsoft.com/office/powerpoint/2010/main" val="3478128820"/>
       </p:ext>
     </p:extLst>
   </p:cSld>
@@ -3323,7 +3323,7 @@
       </p:grpSpPr>
       <p:pic>
         <p:nvPicPr>
-          <p:cNvPr id="791554" name="Picture 2" descr="772"/>
+          <p:cNvPr id="792578" name="Picture 2" descr="773"/>
           <p:cNvPicPr>
             <a:picLocks noChangeAspect="1" noChangeArrowheads="1"/>
           </p:cNvPicPr>
